--- a/Labs/week5.pptx
+++ b/Labs/week5.pptx
@@ -245,7 +245,7 @@
           <a:p>
             <a:fld id="{BDD30050-FCF0-4BCD-99C1-868C01D0DB71}" type="datetimeFigureOut">
               <a:rPr lang="zh-CN" altLang="en-US" smtClean="0"/>
-              <a:t>2018/4/5</a:t>
+              <a:t>2018/4/11</a:t>
             </a:fld>
             <a:endParaRPr lang="zh-CN" altLang="en-US"/>
           </a:p>
@@ -413,7 +413,7 @@
           <a:p>
             <a:fld id="{BDD30050-FCF0-4BCD-99C1-868C01D0DB71}" type="datetimeFigureOut">
               <a:rPr lang="zh-CN" altLang="en-US" smtClean="0"/>
-              <a:t>2018/4/5</a:t>
+              <a:t>2018/4/11</a:t>
             </a:fld>
             <a:endParaRPr lang="zh-CN" altLang="en-US"/>
           </a:p>
@@ -591,7 +591,7 @@
           <a:p>
             <a:fld id="{BDD30050-FCF0-4BCD-99C1-868C01D0DB71}" type="datetimeFigureOut">
               <a:rPr lang="zh-CN" altLang="en-US" smtClean="0"/>
-              <a:t>2018/4/5</a:t>
+              <a:t>2018/4/11</a:t>
             </a:fld>
             <a:endParaRPr lang="zh-CN" altLang="en-US"/>
           </a:p>
@@ -759,7 +759,7 @@
           <a:p>
             <a:fld id="{BDD30050-FCF0-4BCD-99C1-868C01D0DB71}" type="datetimeFigureOut">
               <a:rPr lang="zh-CN" altLang="en-US" smtClean="0"/>
-              <a:t>2018/4/5</a:t>
+              <a:t>2018/4/11</a:t>
             </a:fld>
             <a:endParaRPr lang="zh-CN" altLang="en-US"/>
           </a:p>
@@ -1004,7 +1004,7 @@
           <a:p>
             <a:fld id="{BDD30050-FCF0-4BCD-99C1-868C01D0DB71}" type="datetimeFigureOut">
               <a:rPr lang="zh-CN" altLang="en-US" smtClean="0"/>
-              <a:t>2018/4/5</a:t>
+              <a:t>2018/4/11</a:t>
             </a:fld>
             <a:endParaRPr lang="zh-CN" altLang="en-US"/>
           </a:p>
@@ -1233,7 +1233,7 @@
           <a:p>
             <a:fld id="{BDD30050-FCF0-4BCD-99C1-868C01D0DB71}" type="datetimeFigureOut">
               <a:rPr lang="zh-CN" altLang="en-US" smtClean="0"/>
-              <a:t>2018/4/5</a:t>
+              <a:t>2018/4/11</a:t>
             </a:fld>
             <a:endParaRPr lang="zh-CN" altLang="en-US"/>
           </a:p>
@@ -1597,7 +1597,7 @@
           <a:p>
             <a:fld id="{BDD30050-FCF0-4BCD-99C1-868C01D0DB71}" type="datetimeFigureOut">
               <a:rPr lang="zh-CN" altLang="en-US" smtClean="0"/>
-              <a:t>2018/4/5</a:t>
+              <a:t>2018/4/11</a:t>
             </a:fld>
             <a:endParaRPr lang="zh-CN" altLang="en-US"/>
           </a:p>
@@ -1714,7 +1714,7 @@
           <a:p>
             <a:fld id="{BDD30050-FCF0-4BCD-99C1-868C01D0DB71}" type="datetimeFigureOut">
               <a:rPr lang="zh-CN" altLang="en-US" smtClean="0"/>
-              <a:t>2018/4/5</a:t>
+              <a:t>2018/4/11</a:t>
             </a:fld>
             <a:endParaRPr lang="zh-CN" altLang="en-US"/>
           </a:p>
@@ -1809,7 +1809,7 @@
           <a:p>
             <a:fld id="{BDD30050-FCF0-4BCD-99C1-868C01D0DB71}" type="datetimeFigureOut">
               <a:rPr lang="zh-CN" altLang="en-US" smtClean="0"/>
-              <a:t>2018/4/5</a:t>
+              <a:t>2018/4/11</a:t>
             </a:fld>
             <a:endParaRPr lang="zh-CN" altLang="en-US"/>
           </a:p>
@@ -2084,7 +2084,7 @@
           <a:p>
             <a:fld id="{BDD30050-FCF0-4BCD-99C1-868C01D0DB71}" type="datetimeFigureOut">
               <a:rPr lang="zh-CN" altLang="en-US" smtClean="0"/>
-              <a:t>2018/4/5</a:t>
+              <a:t>2018/4/11</a:t>
             </a:fld>
             <a:endParaRPr lang="zh-CN" altLang="en-US"/>
           </a:p>
@@ -2336,7 +2336,7 @@
           <a:p>
             <a:fld id="{BDD30050-FCF0-4BCD-99C1-868C01D0DB71}" type="datetimeFigureOut">
               <a:rPr lang="zh-CN" altLang="en-US" smtClean="0"/>
-              <a:t>2018/4/5</a:t>
+              <a:t>2018/4/11</a:t>
             </a:fld>
             <a:endParaRPr lang="zh-CN" altLang="en-US"/>
           </a:p>
@@ -2547,7 +2547,7 @@
           <a:p>
             <a:fld id="{BDD30050-FCF0-4BCD-99C1-868C01D0DB71}" type="datetimeFigureOut">
               <a:rPr lang="zh-CN" altLang="en-US" smtClean="0"/>
-              <a:t>2018/4/5</a:t>
+              <a:t>2018/4/11</a:t>
             </a:fld>
             <a:endParaRPr lang="zh-CN" altLang="en-US"/>
           </a:p>
@@ -3111,6 +3111,25 @@
           </a:p>
           <a:p>
             <a:r>
+              <a:rPr lang="en-US" altLang="zh-CN" b="1" dirty="0"/>
+              <a:t>Small tile</a:t>
+            </a:r>
+            <a:r>
+              <a:rPr lang="zh-CN" altLang="zh-CN" b="1" dirty="0"/>
+              <a:t>不要求循环显示，但新建一个</a:t>
+            </a:r>
+            <a:r>
+              <a:rPr lang="en-US" altLang="zh-CN" b="1" dirty="0"/>
+              <a:t>item</a:t>
+            </a:r>
+            <a:r>
+              <a:rPr lang="zh-CN" altLang="zh-CN" b="1" dirty="0"/>
+              <a:t>的时候，小磁贴能够更新。</a:t>
+            </a:r>
+            <a:endParaRPr lang="en-US" altLang="zh-CN" dirty="0"/>
+          </a:p>
+          <a:p>
+            <a:r>
               <a:rPr lang="zh-CN" altLang="en-US" dirty="0"/>
               <a:t>实现效果：要求每添加一条项目，磁贴能进行更新，并且更新的内容循环展示（</a:t>
             </a:r>
@@ -3141,7 +3160,7 @@
         </p:blipFill>
         <p:spPr>
           <a:xfrm>
-            <a:off x="958829" y="4281194"/>
+            <a:off x="958829" y="4304055"/>
             <a:ext cx="3560539" cy="1766680"/>
           </a:xfrm>
           <a:prstGeom prst="rect">
